--- a/CV2/TP_Final/Trabajo Final - Juan Pablo Schamun.pptx
+++ b/CV2/TP_Final/Trabajo Final - Juan Pablo Schamun.pptx
@@ -34,28 +34,28 @@
   <p:notesSz cx="6858000" cy="9144000"/>
   <p:embeddedFontLst>
     <p:embeddedFont>
-      <p:font typeface="Raleway" panose="020B0604020202020204" charset="0"/>
+      <p:font typeface="Calibri" panose="020F0502020204030204" pitchFamily="34" charset="0"/>
       <p:regular r:id="rId24"/>
       <p:bold r:id="rId25"/>
       <p:italic r:id="rId26"/>
       <p:boldItalic r:id="rId27"/>
     </p:embeddedFont>
     <p:embeddedFont>
-      <p:font typeface="Calibri" panose="020F0502020204030204" pitchFamily="34" charset="0"/>
+      <p:font typeface="Montserrat" panose="020B0604020202020204" charset="0"/>
       <p:regular r:id="rId28"/>
       <p:bold r:id="rId29"/>
       <p:italic r:id="rId30"/>
       <p:boldItalic r:id="rId31"/>
     </p:embeddedFont>
     <p:embeddedFont>
-      <p:font typeface="Montserrat" panose="020B0604020202020204" charset="0"/>
+      <p:font typeface="Consolas" panose="020B0609020204030204" pitchFamily="49" charset="0"/>
       <p:regular r:id="rId32"/>
       <p:bold r:id="rId33"/>
       <p:italic r:id="rId34"/>
       <p:boldItalic r:id="rId35"/>
     </p:embeddedFont>
     <p:embeddedFont>
-      <p:font typeface="Consolas" panose="020B0609020204030204" pitchFamily="49" charset="0"/>
+      <p:font typeface="Raleway" panose="020B0604020202020204" charset="0"/>
       <p:regular r:id="rId36"/>
       <p:bold r:id="rId37"/>
       <p:italic r:id="rId38"/>
@@ -12573,15 +12573,7 @@
                 <a:ea typeface="Montserrat"/>
                 <a:cs typeface="Montserrat"/>
               </a:rPr>
-              <a:t> hay 13 valores y 4 palos distintos. Además de los comodines. </a:t>
-            </a:r>
-            <a:r>
-              <a:rPr lang="es-AR" sz="1800" dirty="0">
-                <a:latin typeface="Montserrat"/>
-                <a:ea typeface="Montserrat"/>
-                <a:cs typeface="Montserrat"/>
-              </a:rPr>
-              <a:t>Se pretende, a partir de una imagen con una única carta, determinar a qué carta pertenece</a:t>
+              <a:t> hay 13 valores y 4 palos distintos. Además de los comodines. Se pretende, a partir de una imagen con una única carta, determinar a qué carta pertenece</a:t>
             </a:r>
             <a:r>
               <a:rPr lang="es-AR" sz="1800" dirty="0" smtClean="0">
@@ -12924,7 +12916,34 @@
                 <a:cs typeface="Montserrat"/>
                 <a:sym typeface="Montserrat"/>
               </a:rPr>
-              <a:t>El transfer learning realizado ha logrado disminuir en gran medida el tiempo de entrenamiento necesario.</a:t>
+              <a:t>El transfer learning realizado </a:t>
+            </a:r>
+            <a:r>
+              <a:rPr lang="es" dirty="0" smtClean="0">
+                <a:latin typeface="Montserrat"/>
+                <a:ea typeface="Montserrat"/>
+                <a:cs typeface="Montserrat"/>
+                <a:sym typeface="Montserrat"/>
+              </a:rPr>
+              <a:t>no ha </a:t>
+            </a:r>
+            <a:r>
+              <a:rPr lang="es">
+                <a:latin typeface="Montserrat"/>
+                <a:ea typeface="Montserrat"/>
+                <a:cs typeface="Montserrat"/>
+                <a:sym typeface="Montserrat"/>
+              </a:rPr>
+              <a:t>logrado </a:t>
+            </a:r>
+            <a:r>
+              <a:rPr lang="es" smtClean="0">
+                <a:latin typeface="Montserrat"/>
+                <a:ea typeface="Montserrat"/>
+                <a:cs typeface="Montserrat"/>
+                <a:sym typeface="Montserrat"/>
+              </a:rPr>
+              <a:t>disminuir tiempos ni mejorar performance</a:t>
             </a:r>
             <a:endParaRPr dirty="0">
               <a:latin typeface="Montserrat"/>
@@ -14888,12 +14907,6 @@
               </a:rPr>
               <a:t>Se escogen una serie de transformaciones relativas a la posición y geometría de las imágenes. También algunas relacionadas con el color. Se realizaron algunas variantes cambiando la configuración de las transformaciones de entre las mencionadas</a:t>
             </a:r>
-            <a:endParaRPr lang="es-ES" sz="1100" dirty="0">
-              <a:latin typeface="Montserrat"/>
-              <a:ea typeface="Montserrat"/>
-              <a:cs typeface="Montserrat"/>
-              <a:sym typeface="Montserrat"/>
-            </a:endParaRPr>
           </a:p>
         </p:txBody>
       </p:sp>

--- a/CV2/TP_Final/Trabajo Final - Juan Pablo Schamun.pptx
+++ b/CV2/TP_Final/Trabajo Final - Juan Pablo Schamun.pptx
@@ -34,14 +34,14 @@
   <p:notesSz cx="6858000" cy="9144000"/>
   <p:embeddedFontLst>
     <p:embeddedFont>
-      <p:font typeface="Calibri" panose="020F0502020204030204" pitchFamily="34" charset="0"/>
+      <p:font typeface="Montserrat" panose="020B0604020202020204" charset="0"/>
       <p:regular r:id="rId24"/>
       <p:bold r:id="rId25"/>
       <p:italic r:id="rId26"/>
       <p:boldItalic r:id="rId27"/>
     </p:embeddedFont>
     <p:embeddedFont>
-      <p:font typeface="Montserrat" panose="020B0604020202020204" charset="0"/>
+      <p:font typeface="Calibri" panose="020F0502020204030204" pitchFamily="34" charset="0"/>
       <p:regular r:id="rId28"/>
       <p:bold r:id="rId29"/>
       <p:italic r:id="rId30"/>
@@ -55,14 +55,14 @@
       <p:boldItalic r:id="rId35"/>
     </p:embeddedFont>
     <p:embeddedFont>
-      <p:font typeface="Raleway" panose="020B0604020202020204" charset="0"/>
+      <p:font typeface="Lato" panose="020B0604020202020204" charset="0"/>
       <p:regular r:id="rId36"/>
       <p:bold r:id="rId37"/>
       <p:italic r:id="rId38"/>
       <p:boldItalic r:id="rId39"/>
     </p:embeddedFont>
     <p:embeddedFont>
-      <p:font typeface="Lato" panose="020B0604020202020204" charset="0"/>
+      <p:font typeface="Raleway" panose="020B0604020202020204" charset="0"/>
       <p:regular r:id="rId40"/>
       <p:bold r:id="rId41"/>
       <p:italic r:id="rId42"/>
@@ -11863,7 +11863,7 @@
         <p:spPr>
           <a:xfrm>
             <a:off x="450374" y="3784768"/>
-            <a:ext cx="2512226" cy="830997"/>
+            <a:ext cx="1805302" cy="646331"/>
           </a:xfrm>
           <a:prstGeom prst="rect">
             <a:avLst/>
@@ -11939,24 +11939,32 @@
                 <a:cs typeface="Montserrat"/>
                 <a:sym typeface="Montserrat"/>
               </a:rPr>
-              <a:t>esde cero con DA</a:t>
-            </a:r>
-          </a:p>
-          <a:p>
-            <a:pPr marL="171450" indent="-171450">
-              <a:buFont typeface="Arial" panose="020B0604020202020204" pitchFamily="34" charset="0"/>
-              <a:buChar char="•"/>
-            </a:pPr>
-            <a:r>
-              <a:rPr lang="es" sz="1200" dirty="0" smtClean="0">
+              <a:t>esde cero </a:t>
+            </a:r>
+            <a:r>
+              <a:rPr lang="es" sz="1200" smtClean="0">
                 <a:latin typeface="Montserrat"/>
                 <a:ea typeface="Montserrat"/>
                 <a:cs typeface="Montserrat"/>
                 <a:sym typeface="Montserrat"/>
               </a:rPr>
-              <a:t>Con transfer learning sin DA </a:t>
-            </a:r>
-            <a:endParaRPr lang="es-AR" sz="1200" dirty="0"/>
+              <a:t>con </a:t>
+            </a:r>
+            <a:r>
+              <a:rPr lang="es" sz="1200" smtClean="0">
+                <a:latin typeface="Montserrat"/>
+                <a:ea typeface="Montserrat"/>
+                <a:cs typeface="Montserrat"/>
+                <a:sym typeface="Montserrat"/>
+              </a:rPr>
+              <a:t>DA</a:t>
+            </a:r>
+            <a:endParaRPr lang="es" sz="1200" dirty="0" smtClean="0">
+              <a:latin typeface="Montserrat"/>
+              <a:ea typeface="Montserrat"/>
+              <a:cs typeface="Montserrat"/>
+              <a:sym typeface="Montserrat"/>
+            </a:endParaRPr>
           </a:p>
         </p:txBody>
       </p:sp>
@@ -15600,7 +15608,7 @@
         <p:spPr>
           <a:xfrm>
             <a:off x="729450" y="1411250"/>
-            <a:ext cx="7688700" cy="3092700"/>
+            <a:ext cx="7688700" cy="3324252"/>
           </a:xfrm>
           <a:prstGeom prst="rect">
             <a:avLst/>
@@ -15612,7 +15620,7 @@
         </p:spPr>
         <p:txBody>
           <a:bodyPr spcFirstLastPara="1" wrap="square" lIns="91425" tIns="91425" rIns="91425" bIns="91425" anchor="t" anchorCtr="0">
-            <a:normAutofit lnSpcReduction="10000"/>
+            <a:normAutofit fontScale="70000" lnSpcReduction="20000"/>
           </a:bodyPr>
           <a:lstStyle/>
           <a:p>
@@ -15655,6 +15663,34 @@
             </a:r>
           </a:p>
           <a:p>
+            <a:pPr marL="888938" lvl="1" indent="-285750">
+              <a:spcBef>
+                <a:spcPts val="1200"/>
+              </a:spcBef>
+            </a:pPr>
+            <a:r>
+              <a:rPr lang="es-ES" dirty="0" smtClean="0">
+                <a:latin typeface="Montserrat"/>
+                <a:ea typeface="Montserrat"/>
+                <a:cs typeface="Montserrat"/>
+              </a:rPr>
+              <a:t>Código: </a:t>
+            </a:r>
+            <a:r>
+              <a:rPr lang="es-ES" dirty="0">
+                <a:latin typeface="Montserrat"/>
+                <a:ea typeface="Montserrat"/>
+                <a:cs typeface="Montserrat"/>
+              </a:rPr>
+              <a:t>TPFinal_Cards_1.ipynb</a:t>
+            </a:r>
+            <a:endParaRPr lang="es-ES" dirty="0" smtClean="0">
+              <a:latin typeface="Montserrat"/>
+              <a:ea typeface="Montserrat"/>
+              <a:cs typeface="Montserrat"/>
+            </a:endParaRPr>
+          </a:p>
+          <a:p>
             <a:pPr marL="431738" indent="-285750">
               <a:spcBef>
                 <a:spcPts val="1200"/>
@@ -15667,6 +15703,21 @@
                 <a:cs typeface="Montserrat"/>
               </a:rPr>
               <a:t>Resnet-50</a:t>
+            </a:r>
+          </a:p>
+          <a:p>
+            <a:pPr marL="888938" lvl="1" indent="-285750">
+              <a:spcBef>
+                <a:spcPts val="1200"/>
+              </a:spcBef>
+            </a:pPr>
+            <a:r>
+              <a:rPr lang="es-ES" dirty="0" smtClean="0">
+                <a:latin typeface="Montserrat"/>
+                <a:ea typeface="Montserrat"/>
+                <a:cs typeface="Montserrat"/>
+              </a:rPr>
+              <a:t>Código: TPFinal_Cards_2.ipynb</a:t>
             </a:r>
             <a:endParaRPr lang="es-ES" dirty="0">
               <a:latin typeface="Montserrat"/>
@@ -15681,13 +15732,41 @@
               </a:spcBef>
             </a:pPr>
             <a:r>
+              <a:rPr lang="es-ES" dirty="0" smtClean="0">
+                <a:latin typeface="Montserrat"/>
+                <a:ea typeface="Montserrat"/>
+                <a:cs typeface="Montserrat"/>
+              </a:rPr>
+              <a:t>VGG-19</a:t>
+            </a:r>
+          </a:p>
+          <a:p>
+            <a:pPr marL="888938" lvl="1" indent="-285750">
+              <a:spcBef>
+                <a:spcPts val="1200"/>
+              </a:spcBef>
+            </a:pPr>
+            <a:r>
               <a:rPr lang="es-ES" dirty="0">
                 <a:latin typeface="Montserrat"/>
                 <a:ea typeface="Montserrat"/>
                 <a:cs typeface="Montserrat"/>
               </a:rPr>
-              <a:t>VGG-19</a:t>
-            </a:r>
+              <a:t>Código: </a:t>
+            </a:r>
+            <a:r>
+              <a:rPr lang="es-ES" dirty="0" smtClean="0">
+                <a:latin typeface="Montserrat"/>
+                <a:ea typeface="Montserrat"/>
+                <a:cs typeface="Montserrat"/>
+              </a:rPr>
+              <a:t>TPFinal_Cards_3.ipynb</a:t>
+            </a:r>
+            <a:endParaRPr lang="es-ES" dirty="0">
+              <a:latin typeface="Montserrat"/>
+              <a:ea typeface="Montserrat"/>
+              <a:cs typeface="Montserrat"/>
+            </a:endParaRPr>
           </a:p>
           <a:p>
             <a:pPr marL="431738" indent="-285750">
@@ -15703,6 +15782,34 @@
               </a:rPr>
               <a:t>Inception-V3</a:t>
             </a:r>
+          </a:p>
+          <a:p>
+            <a:pPr marL="888938" lvl="1" indent="-285750">
+              <a:spcBef>
+                <a:spcPts val="1200"/>
+              </a:spcBef>
+            </a:pPr>
+            <a:r>
+              <a:rPr lang="es-ES" dirty="0">
+                <a:latin typeface="Montserrat"/>
+                <a:ea typeface="Montserrat"/>
+                <a:cs typeface="Montserrat"/>
+              </a:rPr>
+              <a:t>Código: </a:t>
+            </a:r>
+            <a:r>
+              <a:rPr lang="es-ES" dirty="0" smtClean="0">
+                <a:latin typeface="Montserrat"/>
+                <a:ea typeface="Montserrat"/>
+                <a:cs typeface="Montserrat"/>
+              </a:rPr>
+              <a:t>TPFinal_Cards_4.ipynb</a:t>
+            </a:r>
+            <a:endParaRPr lang="es-ES" dirty="0" smtClean="0">
+              <a:latin typeface="Montserrat"/>
+              <a:ea typeface="Montserrat"/>
+              <a:cs typeface="Montserrat"/>
+            </a:endParaRPr>
           </a:p>
           <a:p>
             <a:pPr marL="145988" indent="0">
@@ -15866,8 +15973,8 @@
         </p:nvSpPr>
         <p:spPr>
           <a:xfrm>
-            <a:off x="6321552" y="2588268"/>
-            <a:ext cx="2414016" cy="738664"/>
+            <a:off x="4383751" y="2533768"/>
+            <a:ext cx="3210008" cy="1138773"/>
           </a:xfrm>
           <a:prstGeom prst="rect">
             <a:avLst/>
@@ -15880,7 +15987,54 @@
           <a:lstStyle/>
           <a:p>
             <a:r>
-              <a:rPr lang="es-AR" dirty="0" err="1">
+              <a:rPr lang="es-ES" sz="1300" dirty="0">
+                <a:solidFill>
+                  <a:schemeClr val="accent1"/>
+                </a:solidFill>
+                <a:latin typeface="Montserrat"/>
+                <a:ea typeface="Montserrat"/>
+                <a:cs typeface="Montserrat"/>
+                <a:sym typeface="Lato"/>
+              </a:rPr>
+              <a:t>Mayoritariamente se usaron estos </a:t>
+            </a:r>
+            <a:r>
+              <a:rPr lang="es-ES" sz="1300" dirty="0" err="1">
+                <a:solidFill>
+                  <a:schemeClr val="accent1"/>
+                </a:solidFill>
+                <a:latin typeface="Montserrat"/>
+                <a:ea typeface="Montserrat"/>
+                <a:cs typeface="Montserrat"/>
+                <a:sym typeface="Lato"/>
+              </a:rPr>
+              <a:t>hipeparámetros</a:t>
+            </a:r>
+            <a:r>
+              <a:rPr lang="es-ES" sz="1300" dirty="0">
+                <a:solidFill>
+                  <a:schemeClr val="accent1"/>
+                </a:solidFill>
+                <a:latin typeface="Montserrat"/>
+                <a:ea typeface="Montserrat"/>
+                <a:cs typeface="Montserrat"/>
+                <a:sym typeface="Lato"/>
+              </a:rPr>
+              <a:t>. Salvo excepciones</a:t>
+            </a:r>
+            <a:endParaRPr lang="es-AR" sz="1300" dirty="0">
+              <a:solidFill>
+                <a:schemeClr val="accent1"/>
+              </a:solidFill>
+              <a:latin typeface="Montserrat"/>
+              <a:ea typeface="Montserrat"/>
+              <a:cs typeface="Montserrat"/>
+              <a:sym typeface="Lato"/>
+            </a:endParaRPr>
+          </a:p>
+          <a:p>
+            <a:r>
+              <a:rPr lang="es-AR" dirty="0" err="1" smtClean="0">
                 <a:solidFill>
                   <a:srgbClr val="9CDCFE"/>
                 </a:solidFill>
@@ -15889,7 +16043,7 @@
               <a:t>loss</a:t>
             </a:r>
             <a:r>
-              <a:rPr lang="es-AR" dirty="0">
+              <a:rPr lang="es-AR" dirty="0" smtClean="0">
                 <a:solidFill>
                   <a:srgbClr val="D4D4D4"/>
                 </a:solidFill>
@@ -15898,7 +16052,7 @@
               <a:t>=</a:t>
             </a:r>
             <a:r>
-              <a:rPr lang="es-AR" dirty="0" err="1">
+              <a:rPr lang="es-AR" dirty="0" err="1" smtClean="0">
                 <a:solidFill>
                   <a:srgbClr val="CCCCCC"/>
                 </a:solidFill>
